--- a/Почоев Презентация.pptx
+++ b/Почоев Презентация.pptx
@@ -633,7 +633,7 @@
           <a:p>
             <a:fld id="{BC2AD36E-CD11-4CF6-8B46-B5198877465C}" type="datetimeFigureOut">
               <a:rPr lang="ru-RU" smtClean="0"/>
-              <a:t>15.06.2020</a:t>
+              <a:t>19.06.2020</a:t>
             </a:fld>
             <a:endParaRPr lang="ru-RU"/>
           </a:p>
@@ -929,7 +929,7 @@
           <a:p>
             <a:fld id="{BC2AD36E-CD11-4CF6-8B46-B5198877465C}" type="datetimeFigureOut">
               <a:rPr lang="ru-RU" smtClean="0"/>
-              <a:t>15.06.2020</a:t>
+              <a:t>19.06.2020</a:t>
             </a:fld>
             <a:endParaRPr lang="ru-RU"/>
           </a:p>
@@ -1177,7 +1177,7 @@
           <a:p>
             <a:fld id="{BC2AD36E-CD11-4CF6-8B46-B5198877465C}" type="datetimeFigureOut">
               <a:rPr lang="ru-RU" smtClean="0"/>
-              <a:t>15.06.2020</a:t>
+              <a:t>19.06.2020</a:t>
             </a:fld>
             <a:endParaRPr lang="ru-RU"/>
           </a:p>
@@ -1717,7 +1717,7 @@
           <a:p>
             <a:fld id="{BC2AD36E-CD11-4CF6-8B46-B5198877465C}" type="datetimeFigureOut">
               <a:rPr lang="ru-RU" smtClean="0"/>
-              <a:t>15.06.2020</a:t>
+              <a:t>19.06.2020</a:t>
             </a:fld>
             <a:endParaRPr lang="ru-RU"/>
           </a:p>
@@ -1965,7 +1965,7 @@
           <a:p>
             <a:fld id="{BC2AD36E-CD11-4CF6-8B46-B5198877465C}" type="datetimeFigureOut">
               <a:rPr lang="ru-RU" smtClean="0"/>
-              <a:t>15.06.2020</a:t>
+              <a:t>19.06.2020</a:t>
             </a:fld>
             <a:endParaRPr lang="ru-RU"/>
           </a:p>
@@ -2497,7 +2497,7 @@
           <a:p>
             <a:fld id="{BC2AD36E-CD11-4CF6-8B46-B5198877465C}" type="datetimeFigureOut">
               <a:rPr lang="ru-RU" smtClean="0"/>
-              <a:t>15.06.2020</a:t>
+              <a:t>19.06.2020</a:t>
             </a:fld>
             <a:endParaRPr lang="ru-RU"/>
           </a:p>
@@ -2794,7 +2794,7 @@
           <a:p>
             <a:fld id="{BC2AD36E-CD11-4CF6-8B46-B5198877465C}" type="datetimeFigureOut">
               <a:rPr lang="ru-RU" smtClean="0"/>
-              <a:t>15.06.2020</a:t>
+              <a:t>19.06.2020</a:t>
             </a:fld>
             <a:endParaRPr lang="ru-RU"/>
           </a:p>
@@ -2968,7 +2968,7 @@
           <a:p>
             <a:fld id="{BC2AD36E-CD11-4CF6-8B46-B5198877465C}" type="datetimeFigureOut">
               <a:rPr lang="ru-RU" smtClean="0"/>
-              <a:t>15.06.2020</a:t>
+              <a:t>19.06.2020</a:t>
             </a:fld>
             <a:endParaRPr lang="ru-RU"/>
           </a:p>
@@ -3148,7 +3148,7 @@
           <a:p>
             <a:fld id="{BC2AD36E-CD11-4CF6-8B46-B5198877465C}" type="datetimeFigureOut">
               <a:rPr lang="ru-RU" smtClean="0"/>
-              <a:t>15.06.2020</a:t>
+              <a:t>19.06.2020</a:t>
             </a:fld>
             <a:endParaRPr lang="ru-RU"/>
           </a:p>
@@ -3318,7 +3318,7 @@
           <a:p>
             <a:fld id="{BC2AD36E-CD11-4CF6-8B46-B5198877465C}" type="datetimeFigureOut">
               <a:rPr lang="ru-RU" smtClean="0"/>
-              <a:t>15.06.2020</a:t>
+              <a:t>19.06.2020</a:t>
             </a:fld>
             <a:endParaRPr lang="ru-RU"/>
           </a:p>
@@ -3569,7 +3569,7 @@
           <a:p>
             <a:fld id="{BC2AD36E-CD11-4CF6-8B46-B5198877465C}" type="datetimeFigureOut">
               <a:rPr lang="ru-RU" smtClean="0"/>
-              <a:t>15.06.2020</a:t>
+              <a:t>19.06.2020</a:t>
             </a:fld>
             <a:endParaRPr lang="ru-RU"/>
           </a:p>
@@ -3866,7 +3866,7 @@
           <a:p>
             <a:fld id="{BC2AD36E-CD11-4CF6-8B46-B5198877465C}" type="datetimeFigureOut">
               <a:rPr lang="ru-RU" smtClean="0"/>
-              <a:t>15.06.2020</a:t>
+              <a:t>19.06.2020</a:t>
             </a:fld>
             <a:endParaRPr lang="ru-RU"/>
           </a:p>
@@ -4308,7 +4308,7 @@
           <a:p>
             <a:fld id="{BC2AD36E-CD11-4CF6-8B46-B5198877465C}" type="datetimeFigureOut">
               <a:rPr lang="ru-RU" smtClean="0"/>
-              <a:t>15.06.2020</a:t>
+              <a:t>19.06.2020</a:t>
             </a:fld>
             <a:endParaRPr lang="ru-RU"/>
           </a:p>
@@ -4426,7 +4426,7 @@
           <a:p>
             <a:fld id="{BC2AD36E-CD11-4CF6-8B46-B5198877465C}" type="datetimeFigureOut">
               <a:rPr lang="ru-RU" smtClean="0"/>
-              <a:t>15.06.2020</a:t>
+              <a:t>19.06.2020</a:t>
             </a:fld>
             <a:endParaRPr lang="ru-RU"/>
           </a:p>
@@ -4521,7 +4521,7 @@
           <a:p>
             <a:fld id="{BC2AD36E-CD11-4CF6-8B46-B5198877465C}" type="datetimeFigureOut">
               <a:rPr lang="ru-RU" smtClean="0"/>
-              <a:t>15.06.2020</a:t>
+              <a:t>19.06.2020</a:t>
             </a:fld>
             <a:endParaRPr lang="ru-RU"/>
           </a:p>
@@ -4804,7 +4804,7 @@
           <a:p>
             <a:fld id="{BC2AD36E-CD11-4CF6-8B46-B5198877465C}" type="datetimeFigureOut">
               <a:rPr lang="ru-RU" smtClean="0"/>
-              <a:t>15.06.2020</a:t>
+              <a:t>19.06.2020</a:t>
             </a:fld>
             <a:endParaRPr lang="ru-RU"/>
           </a:p>
@@ -5095,7 +5095,7 @@
           <a:p>
             <a:fld id="{BC2AD36E-CD11-4CF6-8B46-B5198877465C}" type="datetimeFigureOut">
               <a:rPr lang="ru-RU" smtClean="0"/>
-              <a:t>15.06.2020</a:t>
+              <a:t>19.06.2020</a:t>
             </a:fld>
             <a:endParaRPr lang="ru-RU"/>
           </a:p>
@@ -5625,7 +5625,7 @@
           <a:p>
             <a:fld id="{BC2AD36E-CD11-4CF6-8B46-B5198877465C}" type="datetimeFigureOut">
               <a:rPr lang="ru-RU" smtClean="0"/>
-              <a:t>15.06.2020</a:t>
+              <a:t>19.06.2020</a:t>
             </a:fld>
             <a:endParaRPr lang="ru-RU"/>
           </a:p>
@@ -6276,15 +6276,7 @@
           <a:p>
             <a:r>
               <a:rPr lang="ru-RU" dirty="0" smtClean="0"/>
-              <a:t>Задачи, которые были решены в ходе </a:t>
-            </a:r>
-            <a:r>
-              <a:rPr lang="ru-RU" smtClean="0"/>
-              <a:t>выполнения дипломного </a:t>
-            </a:r>
-            <a:r>
-              <a:rPr lang="ru-RU" dirty="0" smtClean="0"/>
-              <a:t>проекта</a:t>
+              <a:t>Задачи, которые были решены в ходе выполнения дипломного проекта</a:t>
             </a:r>
             <a:endParaRPr lang="ru-RU" dirty="0"/>
           </a:p>
@@ -6433,21 +6425,21 @@
                 <a:gridCol w="3339571">
                   <a:extLst>
                     <a:ext uri="{9D8B030D-6E8A-4147-A177-3AD203B41FA5}">
-                      <a16:colId xmlns="" xmlns:a16="http://schemas.microsoft.com/office/drawing/2014/main" val="20000"/>
+                      <a16:colId xmlns:a16="http://schemas.microsoft.com/office/drawing/2014/main" xmlns="" val="20000"/>
                     </a:ext>
                   </a:extLst>
                 </a:gridCol>
                 <a:gridCol w="3339571">
                   <a:extLst>
                     <a:ext uri="{9D8B030D-6E8A-4147-A177-3AD203B41FA5}">
-                      <a16:colId xmlns="" xmlns:a16="http://schemas.microsoft.com/office/drawing/2014/main" val="20001"/>
+                      <a16:colId xmlns:a16="http://schemas.microsoft.com/office/drawing/2014/main" xmlns="" val="20001"/>
                     </a:ext>
                   </a:extLst>
                 </a:gridCol>
                 <a:gridCol w="3339571">
                   <a:extLst>
                     <a:ext uri="{9D8B030D-6E8A-4147-A177-3AD203B41FA5}">
-                      <a16:colId xmlns="" xmlns:a16="http://schemas.microsoft.com/office/drawing/2014/main" val="20002"/>
+                      <a16:colId xmlns:a16="http://schemas.microsoft.com/office/drawing/2014/main" xmlns="" val="20002"/>
                     </a:ext>
                   </a:extLst>
                 </a:gridCol>
@@ -6497,7 +6489,7 @@
                 </a:tc>
                 <a:extLst>
                   <a:ext uri="{0D108BD9-81ED-4DB2-BD59-A6C34878D82A}">
-                    <a16:rowId xmlns="" xmlns:a16="http://schemas.microsoft.com/office/drawing/2014/main" val="10000"/>
+                    <a16:rowId xmlns:a16="http://schemas.microsoft.com/office/drawing/2014/main" xmlns="" val="10000"/>
                   </a:ext>
                 </a:extLst>
               </a:tr>
@@ -6637,7 +6629,7 @@
                 </a:tc>
                 <a:extLst>
                   <a:ext uri="{0D108BD9-81ED-4DB2-BD59-A6C34878D82A}">
-                    <a16:rowId xmlns="" xmlns:a16="http://schemas.microsoft.com/office/drawing/2014/main" val="10001"/>
+                    <a16:rowId xmlns:a16="http://schemas.microsoft.com/office/drawing/2014/main" xmlns="" val="10001"/>
                   </a:ext>
                 </a:extLst>
               </a:tr>
@@ -6768,7 +6760,7 @@
                 </a:tc>
                 <a:extLst>
                   <a:ext uri="{0D108BD9-81ED-4DB2-BD59-A6C34878D82A}">
-                    <a16:rowId xmlns="" xmlns:a16="http://schemas.microsoft.com/office/drawing/2014/main" val="10002"/>
+                    <a16:rowId xmlns:a16="http://schemas.microsoft.com/office/drawing/2014/main" xmlns="" val="10002"/>
                   </a:ext>
                 </a:extLst>
               </a:tr>
@@ -6899,7 +6891,7 @@
                 </a:tc>
                 <a:extLst>
                   <a:ext uri="{0D108BD9-81ED-4DB2-BD59-A6C34878D82A}">
-                    <a16:rowId xmlns="" xmlns:a16="http://schemas.microsoft.com/office/drawing/2014/main" val="10003"/>
+                    <a16:rowId xmlns:a16="http://schemas.microsoft.com/office/drawing/2014/main" xmlns="" val="10003"/>
                   </a:ext>
                 </a:extLst>
               </a:tr>
@@ -7396,9 +7388,10 @@
           <a:p>
             <a:pPr algn="ctr"/>
             <a:r>
-              <a:rPr lang="ru-RU" dirty="0"/>
-              <a:t>Структура главного модуля </a:t>
-            </a:r>
+              <a:rPr lang="ru-RU" dirty="0" smtClean="0"/>
+              <a:t>Схема вызовов</a:t>
+            </a:r>
+            <a:endParaRPr lang="ru-RU" dirty="0"/>
           </a:p>
         </p:txBody>
       </p:sp>
@@ -7407,7 +7400,7 @@
           <p:cNvPr id="7" name="Объект 6">
             <a:extLst>
               <a:ext uri="{FF2B5EF4-FFF2-40B4-BE49-F238E27FC236}">
-                <a16:creationId xmlns="" xmlns:a16="http://schemas.microsoft.com/office/drawing/2014/main" id="{1C6AF978-A88B-4203-B9DB-2E2B56985FC5}"/>
+                <a16:creationId xmlns:a16="http://schemas.microsoft.com/office/drawing/2014/main" xmlns="" id="{1C6AF978-A88B-4203-B9DB-2E2B56985FC5}"/>
               </a:ext>
             </a:extLst>
           </p:cNvPr>
@@ -7628,7 +7621,7 @@
         </p:blipFill>
         <p:spPr>
           <a:xfrm>
-            <a:off x="192422" y="2051137"/>
+            <a:off x="1012228" y="1956543"/>
             <a:ext cx="3680239" cy="2204544"/>
           </a:xfrm>
           <a:prstGeom prst="rect">
@@ -7652,8 +7645,8 @@
         </p:blipFill>
         <p:spPr>
           <a:xfrm>
-            <a:off x="3908223" y="2066245"/>
-            <a:ext cx="4369000" cy="1436500"/>
+            <a:off x="4728029" y="1971651"/>
+            <a:ext cx="3706522" cy="1436500"/>
           </a:xfrm>
           <a:prstGeom prst="rect">
             <a:avLst/>
@@ -7676,7 +7669,7 @@
         </p:blipFill>
         <p:spPr>
           <a:xfrm>
-            <a:off x="8188729" y="3710924"/>
+            <a:off x="8130992" y="3591421"/>
             <a:ext cx="3551389" cy="1434785"/>
           </a:xfrm>
           <a:prstGeom prst="rect">
@@ -7700,7 +7693,7 @@
         </p:blipFill>
         <p:spPr>
           <a:xfrm>
-            <a:off x="8425648" y="2090020"/>
+            <a:off x="8470113" y="1971651"/>
             <a:ext cx="3314470" cy="1620904"/>
           </a:xfrm>
           <a:prstGeom prst="rect">
@@ -7724,7 +7717,7 @@
         </p:blipFill>
         <p:spPr>
           <a:xfrm>
-            <a:off x="4774404" y="3502745"/>
+            <a:off x="4692467" y="3394204"/>
             <a:ext cx="3438525" cy="1695450"/>
           </a:xfrm>
           <a:prstGeom prst="rect">
@@ -7748,7 +7741,7 @@
         </p:blipFill>
         <p:spPr>
           <a:xfrm>
-            <a:off x="8544595" y="5276041"/>
+            <a:off x="8419501" y="5003448"/>
             <a:ext cx="3076575" cy="1438275"/>
           </a:xfrm>
           <a:prstGeom prst="rect">
@@ -7772,7 +7765,7 @@
         </p:blipFill>
         <p:spPr>
           <a:xfrm>
-            <a:off x="192422" y="4255681"/>
+            <a:off x="1012228" y="4161087"/>
             <a:ext cx="2609850" cy="1819275"/>
           </a:xfrm>
           <a:prstGeom prst="rect">
@@ -7796,7 +7789,7 @@
         </p:blipFill>
         <p:spPr>
           <a:xfrm>
-            <a:off x="2802272" y="4255681"/>
+            <a:off x="6226091" y="5106268"/>
             <a:ext cx="2049156" cy="1232634"/>
           </a:xfrm>
           <a:prstGeom prst="rect">
@@ -7867,7 +7860,7 @@
             <p:ph idx="1"/>
             <p:extLst>
               <p:ext uri="{D42A27DB-BD31-4B8C-83A1-F6EECF244321}">
-                <p14:modId xmlns:p14="http://schemas.microsoft.com/office/powerpoint/2010/main" val="3275931867"/>
+                <p14:modId xmlns:p14="http://schemas.microsoft.com/office/powerpoint/2010/main" val="2560796959"/>
               </p:ext>
             </p:extLst>
           </p:nvPr>
@@ -7933,14 +7926,21 @@
                           <a:latin typeface="Franklin Gothic Book" panose="020B0503020102020204" pitchFamily="34" charset="0"/>
                           <a:cs typeface="Aharoni" panose="02010803020104030203" pitchFamily="2" charset="-79"/>
                         </a:rPr>
-                        <a:t>73686,</a:t>
+                        <a:t>19149</a:t>
                       </a:r>
                       <a:r>
                         <a:rPr lang="ru-RU" sz="2400" baseline="0" dirty="0" smtClean="0">
                           <a:latin typeface="Franklin Gothic Book" panose="020B0503020102020204" pitchFamily="34" charset="0"/>
                           <a:cs typeface="Aharoni" panose="02010803020104030203" pitchFamily="2" charset="-79"/>
                         </a:rPr>
-                        <a:t>24 рублей</a:t>
+                        <a:t> </a:t>
+                      </a:r>
+                      <a:r>
+                        <a:rPr lang="ru-RU" sz="2400" baseline="0" dirty="0" smtClean="0">
+                          <a:latin typeface="Franklin Gothic Book" panose="020B0503020102020204" pitchFamily="34" charset="0"/>
+                          <a:cs typeface="Aharoni" panose="02010803020104030203" pitchFamily="2" charset="-79"/>
+                        </a:rPr>
+                        <a:t>рублей</a:t>
                       </a:r>
                       <a:endParaRPr lang="ru-RU" sz="2400" dirty="0">
                         <a:latin typeface="Franklin Gothic Book" panose="020B0503020102020204" pitchFamily="34" charset="0"/>
@@ -7987,11 +7987,25 @@
                     <a:p>
                       <a:pPr algn="just"/>
                       <a:r>
+                        <a:rPr lang="en-US" sz="2400" smtClean="0">
+                          <a:latin typeface="Franklin Gothic Book" panose="020B0503020102020204" pitchFamily="34" charset="0"/>
+                          <a:cs typeface="Aharoni" panose="02010803020104030203" pitchFamily="2" charset="-79"/>
+                        </a:rPr>
+                        <a:t>170</a:t>
+                      </a:r>
+                      <a:r>
+                        <a:rPr lang="ru-RU" sz="2400" smtClean="0">
+                          <a:latin typeface="Franklin Gothic Book" panose="020B0503020102020204" pitchFamily="34" charset="0"/>
+                          <a:cs typeface="Aharoni" panose="02010803020104030203" pitchFamily="2" charset="-79"/>
+                        </a:rPr>
+                        <a:t> </a:t>
+                      </a:r>
+                      <a:r>
                         <a:rPr lang="ru-RU" sz="2400" dirty="0" smtClean="0">
                           <a:latin typeface="Franklin Gothic Book" panose="020B0503020102020204" pitchFamily="34" charset="0"/>
                           <a:cs typeface="Aharoni" panose="02010803020104030203" pitchFamily="2" charset="-79"/>
                         </a:rPr>
-                        <a:t>2686,056 рублей</a:t>
+                        <a:t>рублей</a:t>
                       </a:r>
                       <a:endParaRPr lang="ru-RU" sz="2400" dirty="0">
                         <a:latin typeface="Franklin Gothic Book" panose="020B0503020102020204" pitchFamily="34" charset="0"/>
@@ -8042,7 +8056,7 @@
                           <a:latin typeface="Franklin Gothic Book" panose="020B0503020102020204" pitchFamily="34" charset="0"/>
                           <a:cs typeface="Aharoni" panose="02010803020104030203" pitchFamily="2" charset="-79"/>
                         </a:rPr>
-                        <a:t>9,871775%</a:t>
+                        <a:t>50,13%</a:t>
                       </a:r>
                       <a:endParaRPr lang="ru-RU" sz="2400" dirty="0">
                         <a:latin typeface="Franklin Gothic Book" panose="020B0503020102020204" pitchFamily="34" charset="0"/>
